--- a/Ressources/Vortragsmaterialien/MySQL.pptx
+++ b/Ressources/Vortragsmaterialien/MySQL.pptx
@@ -5885,15 +5885,7 @@
           <a:p>
             <a:r>
               <a:rPr lang="de-DE" dirty="0"/>
-              <a:t>E-portfolio – </a:t>
-            </a:r>
-            <a:r>
-              <a:rPr lang="de-DE" dirty="0" err="1"/>
-              <a:t>Softwarengineering</a:t>
-            </a:r>
-            <a:r>
-              <a:rPr lang="de-DE" dirty="0"/>
-              <a:t> </a:t>
+              <a:t>E-portfolio – Softwareengineering </a:t>
             </a:r>
           </a:p>
           <a:p>
